--- a/pr_1.pptx
+++ b/pr_1.pptx
@@ -8,13 +8,18 @@
     <p:sldId id="256" r:id="rId2"/>
     <p:sldId id="257" r:id="rId3"/>
     <p:sldId id="258" r:id="rId4"/>
-    <p:sldId id="259" r:id="rId5"/>
+    <p:sldId id="266" r:id="rId5"/>
     <p:sldId id="260" r:id="rId6"/>
     <p:sldId id="261" r:id="rId7"/>
     <p:sldId id="262" r:id="rId8"/>
-    <p:sldId id="263" r:id="rId9"/>
-    <p:sldId id="264" r:id="rId10"/>
-    <p:sldId id="265" r:id="rId11"/>
+    <p:sldId id="267" r:id="rId9"/>
+    <p:sldId id="263" r:id="rId10"/>
+    <p:sldId id="268" r:id="rId11"/>
+    <p:sldId id="269" r:id="rId12"/>
+    <p:sldId id="270" r:id="rId13"/>
+    <p:sldId id="271" r:id="rId14"/>
+    <p:sldId id="264" r:id="rId15"/>
+    <p:sldId id="265" r:id="rId16"/>
   </p:sldIdLst>
   <p:sldSz cx="12192000" cy="6858000"/>
   <p:notesSz cx="6858000" cy="9144000"/>
@@ -113,6 +118,11 @@
       </a:defRPr>
     </a:lvl9pPr>
   </p:defaultTextStyle>
+  <p:extLst>
+    <p:ext uri="{EFAFB233-063F-42B5-8137-9DF3F51BA10A}">
+      <p15:sldGuideLst xmlns:p15="http://schemas.microsoft.com/office/powerpoint/2012/main"/>
+    </p:ext>
+  </p:extLst>
 </p:presentation>
 </file>
 
@@ -247,9 +257,9 @@
           <a:p>
             <a:fld id="{A4A8E0A2-B0E2-40A4-B6C9-3D1E6B7480B1}" type="datetimeFigureOut">
               <a:rPr lang="ru-RU" smtClean="0"/>
-              <a:t>20.10.2023</a:t>
+              <a:t>25.10.2023</a:t>
             </a:fld>
-            <a:endParaRPr lang="ru-RU"/>
+            <a:endParaRPr lang="ru-RU" dirty="0"/>
           </a:p>
         </p:txBody>
       </p:sp>
@@ -268,7 +278,7 @@
           <a:bodyPr/>
           <a:lstStyle/>
           <a:p>
-            <a:endParaRPr lang="ru-RU"/>
+            <a:endParaRPr lang="ru-RU" dirty="0"/>
           </a:p>
         </p:txBody>
       </p:sp>
@@ -291,7 +301,7 @@
               <a:rPr lang="ru-RU" smtClean="0"/>
               <a:t>‹#›</a:t>
             </a:fld>
-            <a:endParaRPr lang="ru-RU"/>
+            <a:endParaRPr lang="ru-RU" dirty="0"/>
           </a:p>
         </p:txBody>
       </p:sp>
@@ -417,9 +427,9 @@
           <a:p>
             <a:fld id="{A4A8E0A2-B0E2-40A4-B6C9-3D1E6B7480B1}" type="datetimeFigureOut">
               <a:rPr lang="ru-RU" smtClean="0"/>
-              <a:t>20.10.2023</a:t>
+              <a:t>25.10.2023</a:t>
             </a:fld>
-            <a:endParaRPr lang="ru-RU"/>
+            <a:endParaRPr lang="ru-RU" dirty="0"/>
           </a:p>
         </p:txBody>
       </p:sp>
@@ -438,7 +448,7 @@
           <a:bodyPr/>
           <a:lstStyle/>
           <a:p>
-            <a:endParaRPr lang="ru-RU"/>
+            <a:endParaRPr lang="ru-RU" dirty="0"/>
           </a:p>
         </p:txBody>
       </p:sp>
@@ -461,7 +471,7 @@
               <a:rPr lang="ru-RU" smtClean="0"/>
               <a:t>‹#›</a:t>
             </a:fld>
-            <a:endParaRPr lang="ru-RU"/>
+            <a:endParaRPr lang="ru-RU" dirty="0"/>
           </a:p>
         </p:txBody>
       </p:sp>
@@ -597,9 +607,9 @@
           <a:p>
             <a:fld id="{A4A8E0A2-B0E2-40A4-B6C9-3D1E6B7480B1}" type="datetimeFigureOut">
               <a:rPr lang="ru-RU" smtClean="0"/>
-              <a:t>20.10.2023</a:t>
+              <a:t>25.10.2023</a:t>
             </a:fld>
-            <a:endParaRPr lang="ru-RU"/>
+            <a:endParaRPr lang="ru-RU" dirty="0"/>
           </a:p>
         </p:txBody>
       </p:sp>
@@ -618,7 +628,7 @@
           <a:bodyPr/>
           <a:lstStyle/>
           <a:p>
-            <a:endParaRPr lang="ru-RU"/>
+            <a:endParaRPr lang="ru-RU" dirty="0"/>
           </a:p>
         </p:txBody>
       </p:sp>
@@ -641,7 +651,7 @@
               <a:rPr lang="ru-RU" smtClean="0"/>
               <a:t>‹#›</a:t>
             </a:fld>
-            <a:endParaRPr lang="ru-RU"/>
+            <a:endParaRPr lang="ru-RU" dirty="0"/>
           </a:p>
         </p:txBody>
       </p:sp>
@@ -767,9 +777,9 @@
           <a:p>
             <a:fld id="{A4A8E0A2-B0E2-40A4-B6C9-3D1E6B7480B1}" type="datetimeFigureOut">
               <a:rPr lang="ru-RU" smtClean="0"/>
-              <a:t>20.10.2023</a:t>
+              <a:t>25.10.2023</a:t>
             </a:fld>
-            <a:endParaRPr lang="ru-RU"/>
+            <a:endParaRPr lang="ru-RU" dirty="0"/>
           </a:p>
         </p:txBody>
       </p:sp>
@@ -788,7 +798,7 @@
           <a:bodyPr/>
           <a:lstStyle/>
           <a:p>
-            <a:endParaRPr lang="ru-RU"/>
+            <a:endParaRPr lang="ru-RU" dirty="0"/>
           </a:p>
         </p:txBody>
       </p:sp>
@@ -811,7 +821,7 @@
               <a:rPr lang="ru-RU" smtClean="0"/>
               <a:t>‹#›</a:t>
             </a:fld>
-            <a:endParaRPr lang="ru-RU"/>
+            <a:endParaRPr lang="ru-RU" dirty="0"/>
           </a:p>
         </p:txBody>
       </p:sp>
@@ -1013,9 +1023,9 @@
           <a:p>
             <a:fld id="{A4A8E0A2-B0E2-40A4-B6C9-3D1E6B7480B1}" type="datetimeFigureOut">
               <a:rPr lang="ru-RU" smtClean="0"/>
-              <a:t>20.10.2023</a:t>
+              <a:t>25.10.2023</a:t>
             </a:fld>
-            <a:endParaRPr lang="ru-RU"/>
+            <a:endParaRPr lang="ru-RU" dirty="0"/>
           </a:p>
         </p:txBody>
       </p:sp>
@@ -1034,7 +1044,7 @@
           <a:bodyPr/>
           <a:lstStyle/>
           <a:p>
-            <a:endParaRPr lang="ru-RU"/>
+            <a:endParaRPr lang="ru-RU" dirty="0"/>
           </a:p>
         </p:txBody>
       </p:sp>
@@ -1057,7 +1067,7 @@
               <a:rPr lang="ru-RU" smtClean="0"/>
               <a:t>‹#›</a:t>
             </a:fld>
-            <a:endParaRPr lang="ru-RU"/>
+            <a:endParaRPr lang="ru-RU" dirty="0"/>
           </a:p>
         </p:txBody>
       </p:sp>
@@ -1245,9 +1255,9 @@
           <a:p>
             <a:fld id="{A4A8E0A2-B0E2-40A4-B6C9-3D1E6B7480B1}" type="datetimeFigureOut">
               <a:rPr lang="ru-RU" smtClean="0"/>
-              <a:t>20.10.2023</a:t>
+              <a:t>25.10.2023</a:t>
             </a:fld>
-            <a:endParaRPr lang="ru-RU"/>
+            <a:endParaRPr lang="ru-RU" dirty="0"/>
           </a:p>
         </p:txBody>
       </p:sp>
@@ -1266,7 +1276,7 @@
           <a:bodyPr/>
           <a:lstStyle/>
           <a:p>
-            <a:endParaRPr lang="ru-RU"/>
+            <a:endParaRPr lang="ru-RU" dirty="0"/>
           </a:p>
         </p:txBody>
       </p:sp>
@@ -1289,7 +1299,7 @@
               <a:rPr lang="ru-RU" smtClean="0"/>
               <a:t>‹#›</a:t>
             </a:fld>
-            <a:endParaRPr lang="ru-RU"/>
+            <a:endParaRPr lang="ru-RU" dirty="0"/>
           </a:p>
         </p:txBody>
       </p:sp>
@@ -1612,9 +1622,9 @@
           <a:p>
             <a:fld id="{A4A8E0A2-B0E2-40A4-B6C9-3D1E6B7480B1}" type="datetimeFigureOut">
               <a:rPr lang="ru-RU" smtClean="0"/>
-              <a:t>20.10.2023</a:t>
+              <a:t>25.10.2023</a:t>
             </a:fld>
-            <a:endParaRPr lang="ru-RU"/>
+            <a:endParaRPr lang="ru-RU" dirty="0"/>
           </a:p>
         </p:txBody>
       </p:sp>
@@ -1633,7 +1643,7 @@
           <a:bodyPr/>
           <a:lstStyle/>
           <a:p>
-            <a:endParaRPr lang="ru-RU"/>
+            <a:endParaRPr lang="ru-RU" dirty="0"/>
           </a:p>
         </p:txBody>
       </p:sp>
@@ -1656,7 +1666,7 @@
               <a:rPr lang="ru-RU" smtClean="0"/>
               <a:t>‹#›</a:t>
             </a:fld>
-            <a:endParaRPr lang="ru-RU"/>
+            <a:endParaRPr lang="ru-RU" dirty="0"/>
           </a:p>
         </p:txBody>
       </p:sp>
@@ -1730,9 +1740,9 @@
           <a:p>
             <a:fld id="{A4A8E0A2-B0E2-40A4-B6C9-3D1E6B7480B1}" type="datetimeFigureOut">
               <a:rPr lang="ru-RU" smtClean="0"/>
-              <a:t>20.10.2023</a:t>
+              <a:t>25.10.2023</a:t>
             </a:fld>
-            <a:endParaRPr lang="ru-RU"/>
+            <a:endParaRPr lang="ru-RU" dirty="0"/>
           </a:p>
         </p:txBody>
       </p:sp>
@@ -1751,7 +1761,7 @@
           <a:bodyPr/>
           <a:lstStyle/>
           <a:p>
-            <a:endParaRPr lang="ru-RU"/>
+            <a:endParaRPr lang="ru-RU" dirty="0"/>
           </a:p>
         </p:txBody>
       </p:sp>
@@ -1774,7 +1784,7 @@
               <a:rPr lang="ru-RU" smtClean="0"/>
               <a:t>‹#›</a:t>
             </a:fld>
-            <a:endParaRPr lang="ru-RU"/>
+            <a:endParaRPr lang="ru-RU" dirty="0"/>
           </a:p>
         </p:txBody>
       </p:sp>
@@ -1825,9 +1835,9 @@
           <a:p>
             <a:fld id="{A4A8E0A2-B0E2-40A4-B6C9-3D1E6B7480B1}" type="datetimeFigureOut">
               <a:rPr lang="ru-RU" smtClean="0"/>
-              <a:t>20.10.2023</a:t>
+              <a:t>25.10.2023</a:t>
             </a:fld>
-            <a:endParaRPr lang="ru-RU"/>
+            <a:endParaRPr lang="ru-RU" dirty="0"/>
           </a:p>
         </p:txBody>
       </p:sp>
@@ -1846,7 +1856,7 @@
           <a:bodyPr/>
           <a:lstStyle/>
           <a:p>
-            <a:endParaRPr lang="ru-RU"/>
+            <a:endParaRPr lang="ru-RU" dirty="0"/>
           </a:p>
         </p:txBody>
       </p:sp>
@@ -1869,7 +1879,7 @@
               <a:rPr lang="ru-RU" smtClean="0"/>
               <a:t>‹#›</a:t>
             </a:fld>
-            <a:endParaRPr lang="ru-RU"/>
+            <a:endParaRPr lang="ru-RU" dirty="0"/>
           </a:p>
         </p:txBody>
       </p:sp>
@@ -2102,9 +2112,9 @@
           <a:p>
             <a:fld id="{A4A8E0A2-B0E2-40A4-B6C9-3D1E6B7480B1}" type="datetimeFigureOut">
               <a:rPr lang="ru-RU" smtClean="0"/>
-              <a:t>20.10.2023</a:t>
+              <a:t>25.10.2023</a:t>
             </a:fld>
-            <a:endParaRPr lang="ru-RU"/>
+            <a:endParaRPr lang="ru-RU" dirty="0"/>
           </a:p>
         </p:txBody>
       </p:sp>
@@ -2123,7 +2133,7 @@
           <a:bodyPr/>
           <a:lstStyle/>
           <a:p>
-            <a:endParaRPr lang="ru-RU"/>
+            <a:endParaRPr lang="ru-RU" dirty="0"/>
           </a:p>
         </p:txBody>
       </p:sp>
@@ -2146,7 +2156,7 @@
               <a:rPr lang="ru-RU" smtClean="0"/>
               <a:t>‹#›</a:t>
             </a:fld>
-            <a:endParaRPr lang="ru-RU"/>
+            <a:endParaRPr lang="ru-RU" dirty="0"/>
           </a:p>
         </p:txBody>
       </p:sp>
@@ -2269,7 +2279,7 @@
             </a:lvl9pPr>
           </a:lstStyle>
           <a:p>
-            <a:endParaRPr lang="ru-RU"/>
+            <a:endParaRPr lang="ru-RU" dirty="0"/>
           </a:p>
         </p:txBody>
       </p:sp>
@@ -2355,9 +2365,9 @@
           <a:p>
             <a:fld id="{A4A8E0A2-B0E2-40A4-B6C9-3D1E6B7480B1}" type="datetimeFigureOut">
               <a:rPr lang="ru-RU" smtClean="0"/>
-              <a:t>20.10.2023</a:t>
+              <a:t>25.10.2023</a:t>
             </a:fld>
-            <a:endParaRPr lang="ru-RU"/>
+            <a:endParaRPr lang="ru-RU" dirty="0"/>
           </a:p>
         </p:txBody>
       </p:sp>
@@ -2376,7 +2386,7 @@
           <a:bodyPr/>
           <a:lstStyle/>
           <a:p>
-            <a:endParaRPr lang="ru-RU"/>
+            <a:endParaRPr lang="ru-RU" dirty="0"/>
           </a:p>
         </p:txBody>
       </p:sp>
@@ -2399,7 +2409,7 @@
               <a:rPr lang="ru-RU" smtClean="0"/>
               <a:t>‹#›</a:t>
             </a:fld>
-            <a:endParaRPr lang="ru-RU"/>
+            <a:endParaRPr lang="ru-RU" dirty="0"/>
           </a:p>
         </p:txBody>
       </p:sp>
@@ -2568,9 +2578,9 @@
           <a:p>
             <a:fld id="{A4A8E0A2-B0E2-40A4-B6C9-3D1E6B7480B1}" type="datetimeFigureOut">
               <a:rPr lang="ru-RU" smtClean="0"/>
-              <a:t>20.10.2023</a:t>
+              <a:t>25.10.2023</a:t>
             </a:fld>
-            <a:endParaRPr lang="ru-RU"/>
+            <a:endParaRPr lang="ru-RU" dirty="0"/>
           </a:p>
         </p:txBody>
       </p:sp>
@@ -2607,7 +2617,7 @@
             </a:lvl1pPr>
           </a:lstStyle>
           <a:p>
-            <a:endParaRPr lang="ru-RU"/>
+            <a:endParaRPr lang="ru-RU" dirty="0"/>
           </a:p>
         </p:txBody>
       </p:sp>
@@ -2648,7 +2658,7 @@
               <a:rPr lang="ru-RU" smtClean="0"/>
               <a:t>‹#›</a:t>
             </a:fld>
-            <a:endParaRPr lang="ru-RU"/>
+            <a:endParaRPr lang="ru-RU" dirty="0"/>
           </a:p>
         </p:txBody>
       </p:sp>
@@ -3267,6 +3277,648 @@
           <a:p>
             <a:r>
               <a:rPr lang="ru-RU" dirty="0" smtClean="0"/>
+              <a:t>Примеры</a:t>
+            </a:r>
+            <a:endParaRPr lang="ru-RU" dirty="0"/>
+          </a:p>
+        </p:txBody>
+      </p:sp>
+      <p:sp>
+        <p:nvSpPr>
+          <p:cNvPr id="3" name="Объект 2"/>
+          <p:cNvSpPr>
+            <a:spLocks noGrp="1"/>
+          </p:cNvSpPr>
+          <p:nvPr>
+            <p:ph idx="1"/>
+          </p:nvPr>
+        </p:nvSpPr>
+        <p:spPr/>
+        <p:txBody>
+          <a:bodyPr/>
+          <a:lstStyle/>
+          <a:p>
+            <a:r>
+              <a:rPr lang="en-US" dirty="0"/>
+              <a:t>Bing (</a:t>
+            </a:r>
+            <a:r>
+              <a:rPr lang="en-US" dirty="0">
+                <a:hlinkClick r:id="rId2"/>
+              </a:rPr>
+              <a:t>https://</a:t>
+            </a:r>
+            <a:r>
+              <a:rPr lang="en-US" dirty="0" smtClean="0">
+                <a:hlinkClick r:id="rId2"/>
+              </a:rPr>
+              <a:t>www.bing.com</a:t>
+            </a:r>
+            <a:r>
+              <a:rPr lang="en-US" dirty="0" smtClean="0"/>
+              <a:t>)</a:t>
+            </a:r>
+          </a:p>
+          <a:p>
+            <a:r>
+              <a:rPr lang="ru-RU" dirty="0"/>
+              <a:t>Bing</a:t>
+            </a:r>
+            <a:r>
+              <a:rPr lang="ru-RU" dirty="0"/>
+              <a:t> - поисковая система от </a:t>
+            </a:r>
+            <a:r>
+              <a:rPr lang="ru-RU" dirty="0"/>
+              <a:t>Microsoft</a:t>
+            </a:r>
+            <a:r>
+              <a:rPr lang="ru-RU" dirty="0"/>
+              <a:t>, представленная Стивом </a:t>
+            </a:r>
+            <a:r>
+              <a:rPr lang="ru-RU" dirty="0"/>
+              <a:t>Балмером</a:t>
+            </a:r>
+            <a:r>
+              <a:rPr lang="ru-RU" dirty="0"/>
+              <a:t>.</a:t>
+            </a:r>
+            <a:endParaRPr lang="en-US" dirty="0" smtClean="0"/>
+          </a:p>
+          <a:p>
+            <a:endParaRPr lang="ru-RU" dirty="0"/>
+          </a:p>
+        </p:txBody>
+      </p:sp>
+      <p:pic>
+        <p:nvPicPr>
+          <p:cNvPr id="4" name="Рисунок 3"/>
+          <p:cNvPicPr>
+            <a:picLocks noChangeAspect="1"/>
+          </p:cNvPicPr>
+          <p:nvPr/>
+        </p:nvPicPr>
+        <p:blipFill>
+          <a:blip r:embed="rId3"/>
+          <a:stretch>
+            <a:fillRect/>
+          </a:stretch>
+        </p:blipFill>
+        <p:spPr>
+          <a:xfrm>
+            <a:off x="6324600" y="3338215"/>
+            <a:ext cx="5029200" cy="2838748"/>
+          </a:xfrm>
+          <a:prstGeom prst="rect">
+            <a:avLst/>
+          </a:prstGeom>
+        </p:spPr>
+      </p:pic>
+    </p:spTree>
+    <p:extLst>
+      <p:ext uri="{BB962C8B-B14F-4D97-AF65-F5344CB8AC3E}">
+        <p14:creationId xmlns:p14="http://schemas.microsoft.com/office/powerpoint/2010/main" val="3909563634"/>
+      </p:ext>
+    </p:extLst>
+  </p:cSld>
+  <p:clrMapOvr>
+    <a:masterClrMapping/>
+  </p:clrMapOvr>
+</p:sld>
+</file>
+
+<file path=ppt/slides/slide11.xml><?xml version="1.0" encoding="utf-8"?>
+<p:sld xmlns:a="http://schemas.openxmlformats.org/drawingml/2006/main" xmlns:r="http://schemas.openxmlformats.org/officeDocument/2006/relationships" xmlns:p="http://schemas.openxmlformats.org/presentationml/2006/main">
+  <p:cSld>
+    <p:spTree>
+      <p:nvGrpSpPr>
+        <p:cNvPr id="1" name=""/>
+        <p:cNvGrpSpPr/>
+        <p:nvPr/>
+      </p:nvGrpSpPr>
+      <p:grpSpPr>
+        <a:xfrm>
+          <a:off x="0" y="0"/>
+          <a:ext cx="0" cy="0"/>
+          <a:chOff x="0" y="0"/>
+          <a:chExt cx="0" cy="0"/>
+        </a:xfrm>
+      </p:grpSpPr>
+      <p:sp>
+        <p:nvSpPr>
+          <p:cNvPr id="2" name="Заголовок 1"/>
+          <p:cNvSpPr>
+            <a:spLocks noGrp="1"/>
+          </p:cNvSpPr>
+          <p:nvPr>
+            <p:ph type="title"/>
+          </p:nvPr>
+        </p:nvSpPr>
+        <p:spPr/>
+        <p:txBody>
+          <a:bodyPr/>
+          <a:lstStyle/>
+          <a:p>
+            <a:r>
+              <a:rPr lang="ru-RU" dirty="0" smtClean="0"/>
+              <a:t>Примеры</a:t>
+            </a:r>
+            <a:endParaRPr lang="ru-RU" dirty="0"/>
+          </a:p>
+        </p:txBody>
+      </p:sp>
+      <p:sp>
+        <p:nvSpPr>
+          <p:cNvPr id="3" name="Объект 2"/>
+          <p:cNvSpPr>
+            <a:spLocks noGrp="1"/>
+          </p:cNvSpPr>
+          <p:nvPr>
+            <p:ph idx="1"/>
+          </p:nvPr>
+        </p:nvSpPr>
+        <p:spPr/>
+        <p:txBody>
+          <a:bodyPr/>
+          <a:lstStyle/>
+          <a:p>
+            <a:r>
+              <a:rPr lang="ru-RU" dirty="0"/>
+              <a:t>Baidu</a:t>
+            </a:r>
+            <a:r>
+              <a:rPr lang="ru-RU" dirty="0"/>
+              <a:t> </a:t>
+            </a:r>
+            <a:r>
+              <a:rPr lang="en-US" dirty="0"/>
+              <a:t>(</a:t>
+            </a:r>
+            <a:r>
+              <a:rPr lang="en-US" dirty="0">
+                <a:hlinkClick r:id="rId2"/>
+              </a:rPr>
+              <a:t>https://</a:t>
+            </a:r>
+            <a:r>
+              <a:rPr lang="en-US" dirty="0" smtClean="0">
+                <a:hlinkClick r:id="rId2"/>
+              </a:rPr>
+              <a:t>www.baidu.com</a:t>
+            </a:r>
+            <a:r>
+              <a:rPr lang="en-US" dirty="0" smtClean="0"/>
+              <a:t>)</a:t>
+            </a:r>
+            <a:r>
+              <a:rPr lang="ru-RU" dirty="0" smtClean="0"/>
+              <a:t> </a:t>
+            </a:r>
+            <a:r>
+              <a:rPr lang="ru-RU" dirty="0"/>
+              <a:t>- это китайский поисковик, который является одним из самых популярных в Китае и обладает значительной долей рынка </a:t>
+            </a:r>
+            <a:r>
+              <a:rPr lang="ru-RU" dirty="0" smtClean="0"/>
+              <a:t>поисковых </a:t>
+            </a:r>
+            <a:r>
+              <a:rPr lang="ru-RU" dirty="0"/>
+              <a:t>запросов в этой стране</a:t>
+            </a:r>
+            <a:r>
+              <a:rPr lang="ru-RU" dirty="0" smtClean="0"/>
+              <a:t>.</a:t>
+            </a:r>
+            <a:endParaRPr lang="en-US" dirty="0" smtClean="0"/>
+          </a:p>
+          <a:p>
+            <a:endParaRPr lang="ru-RU" dirty="0"/>
+          </a:p>
+        </p:txBody>
+      </p:sp>
+      <p:pic>
+        <p:nvPicPr>
+          <p:cNvPr id="4" name="Рисунок 3"/>
+          <p:cNvPicPr>
+            <a:picLocks noChangeAspect="1"/>
+          </p:cNvPicPr>
+          <p:nvPr/>
+        </p:nvPicPr>
+        <p:blipFill>
+          <a:blip r:embed="rId3"/>
+          <a:stretch>
+            <a:fillRect/>
+          </a:stretch>
+        </p:blipFill>
+        <p:spPr>
+          <a:xfrm>
+            <a:off x="6762750" y="3137637"/>
+            <a:ext cx="4591050" cy="3039326"/>
+          </a:xfrm>
+          <a:prstGeom prst="rect">
+            <a:avLst/>
+          </a:prstGeom>
+        </p:spPr>
+      </p:pic>
+    </p:spTree>
+    <p:extLst>
+      <p:ext uri="{BB962C8B-B14F-4D97-AF65-F5344CB8AC3E}">
+        <p14:creationId xmlns:p14="http://schemas.microsoft.com/office/powerpoint/2010/main" val="3725664908"/>
+      </p:ext>
+    </p:extLst>
+  </p:cSld>
+  <p:clrMapOvr>
+    <a:masterClrMapping/>
+  </p:clrMapOvr>
+</p:sld>
+</file>
+
+<file path=ppt/slides/slide12.xml><?xml version="1.0" encoding="utf-8"?>
+<p:sld xmlns:a="http://schemas.openxmlformats.org/drawingml/2006/main" xmlns:r="http://schemas.openxmlformats.org/officeDocument/2006/relationships" xmlns:p="http://schemas.openxmlformats.org/presentationml/2006/main">
+  <p:cSld>
+    <p:spTree>
+      <p:nvGrpSpPr>
+        <p:cNvPr id="1" name=""/>
+        <p:cNvGrpSpPr/>
+        <p:nvPr/>
+      </p:nvGrpSpPr>
+      <p:grpSpPr>
+        <a:xfrm>
+          <a:off x="0" y="0"/>
+          <a:ext cx="0" cy="0"/>
+          <a:chOff x="0" y="0"/>
+          <a:chExt cx="0" cy="0"/>
+        </a:xfrm>
+      </p:grpSpPr>
+      <p:sp>
+        <p:nvSpPr>
+          <p:cNvPr id="2" name="Заголовок 1"/>
+          <p:cNvSpPr>
+            <a:spLocks noGrp="1"/>
+          </p:cNvSpPr>
+          <p:nvPr>
+            <p:ph type="title"/>
+          </p:nvPr>
+        </p:nvSpPr>
+        <p:spPr/>
+        <p:txBody>
+          <a:bodyPr/>
+          <a:lstStyle/>
+          <a:p>
+            <a:r>
+              <a:rPr lang="ru-RU" dirty="0" smtClean="0"/>
+              <a:t>Примеры</a:t>
+            </a:r>
+            <a:endParaRPr lang="ru-RU" dirty="0"/>
+          </a:p>
+        </p:txBody>
+      </p:sp>
+      <p:sp>
+        <p:nvSpPr>
+          <p:cNvPr id="3" name="Объект 2"/>
+          <p:cNvSpPr>
+            <a:spLocks noGrp="1"/>
+          </p:cNvSpPr>
+          <p:nvPr>
+            <p:ph idx="1"/>
+          </p:nvPr>
+        </p:nvSpPr>
+        <p:spPr/>
+        <p:txBody>
+          <a:bodyPr/>
+          <a:lstStyle/>
+          <a:p>
+            <a:r>
+              <a:rPr lang="ru-RU" dirty="0"/>
+              <a:t>Mail.ru </a:t>
+            </a:r>
+            <a:r>
+              <a:rPr lang="ru-RU" dirty="0" smtClean="0"/>
+              <a:t>(</a:t>
+            </a:r>
+            <a:r>
+              <a:rPr lang="en-US" dirty="0">
+                <a:hlinkClick r:id="rId2"/>
+              </a:rPr>
+              <a:t>https://</a:t>
+            </a:r>
+            <a:r>
+              <a:rPr lang="en-US" dirty="0" smtClean="0">
+                <a:hlinkClick r:id="rId2"/>
+              </a:rPr>
+              <a:t>mail.ru</a:t>
+            </a:r>
+            <a:r>
+              <a:rPr lang="ru-RU" dirty="0" smtClean="0"/>
+              <a:t>)- </a:t>
+            </a:r>
+            <a:r>
+              <a:rPr lang="ru-RU" dirty="0"/>
+              <a:t>русскоязычный интернет-портал, принадлежащий компании VK. Объединяет главную страницу сайта и тематические проекты, является единой "точкой входа" для интернет-служб компании.</a:t>
+            </a:r>
+          </a:p>
+        </p:txBody>
+      </p:sp>
+      <p:pic>
+        <p:nvPicPr>
+          <p:cNvPr id="4" name="Рисунок 3"/>
+          <p:cNvPicPr>
+            <a:picLocks noChangeAspect="1"/>
+          </p:cNvPicPr>
+          <p:nvPr/>
+        </p:nvPicPr>
+        <p:blipFill>
+          <a:blip r:embed="rId3"/>
+          <a:stretch>
+            <a:fillRect/>
+          </a:stretch>
+        </p:blipFill>
+        <p:spPr>
+          <a:xfrm>
+            <a:off x="5802638" y="3552091"/>
+            <a:ext cx="5551162" cy="2624871"/>
+          </a:xfrm>
+          <a:prstGeom prst="rect">
+            <a:avLst/>
+          </a:prstGeom>
+        </p:spPr>
+      </p:pic>
+    </p:spTree>
+    <p:extLst>
+      <p:ext uri="{BB962C8B-B14F-4D97-AF65-F5344CB8AC3E}">
+        <p14:creationId xmlns:p14="http://schemas.microsoft.com/office/powerpoint/2010/main" val="259465132"/>
+      </p:ext>
+    </p:extLst>
+  </p:cSld>
+  <p:clrMapOvr>
+    <a:masterClrMapping/>
+  </p:clrMapOvr>
+</p:sld>
+</file>
+
+<file path=ppt/slides/slide13.xml><?xml version="1.0" encoding="utf-8"?>
+<p:sld xmlns:a="http://schemas.openxmlformats.org/drawingml/2006/main" xmlns:r="http://schemas.openxmlformats.org/officeDocument/2006/relationships" xmlns:p="http://schemas.openxmlformats.org/presentationml/2006/main">
+  <p:cSld>
+    <p:spTree>
+      <p:nvGrpSpPr>
+        <p:cNvPr id="1" name=""/>
+        <p:cNvGrpSpPr/>
+        <p:nvPr/>
+      </p:nvGrpSpPr>
+      <p:grpSpPr>
+        <a:xfrm>
+          <a:off x="0" y="0"/>
+          <a:ext cx="0" cy="0"/>
+          <a:chOff x="0" y="0"/>
+          <a:chExt cx="0" cy="0"/>
+        </a:xfrm>
+      </p:grpSpPr>
+      <p:sp>
+        <p:nvSpPr>
+          <p:cNvPr id="2" name="Заголовок 1"/>
+          <p:cNvSpPr>
+            <a:spLocks noGrp="1"/>
+          </p:cNvSpPr>
+          <p:nvPr>
+            <p:ph type="title"/>
+          </p:nvPr>
+        </p:nvSpPr>
+        <p:spPr/>
+        <p:txBody>
+          <a:bodyPr/>
+          <a:lstStyle/>
+          <a:p>
+            <a:r>
+              <a:rPr lang="ru-RU" dirty="0" smtClean="0"/>
+              <a:t>Примеры</a:t>
+            </a:r>
+            <a:endParaRPr lang="ru-RU" dirty="0"/>
+          </a:p>
+        </p:txBody>
+      </p:sp>
+      <p:sp>
+        <p:nvSpPr>
+          <p:cNvPr id="3" name="Объект 2"/>
+          <p:cNvSpPr>
+            <a:spLocks noGrp="1"/>
+          </p:cNvSpPr>
+          <p:nvPr>
+            <p:ph idx="1"/>
+          </p:nvPr>
+        </p:nvSpPr>
+        <p:spPr/>
+        <p:txBody>
+          <a:bodyPr/>
+          <a:lstStyle/>
+          <a:p>
+            <a:r>
+              <a:rPr lang="ru-RU" dirty="0" smtClean="0"/>
+              <a:t>DuckDuckGo</a:t>
+            </a:r>
+            <a:r>
+              <a:rPr lang="en-US" dirty="0"/>
+              <a:t> (</a:t>
+            </a:r>
+            <a:r>
+              <a:rPr lang="en-US" dirty="0">
+                <a:hlinkClick r:id="rId2"/>
+              </a:rPr>
+              <a:t>https://</a:t>
+            </a:r>
+            <a:r>
+              <a:rPr lang="en-US" dirty="0" smtClean="0">
+                <a:hlinkClick r:id="rId2"/>
+              </a:rPr>
+              <a:t>duckduckgo.com</a:t>
+            </a:r>
+            <a:r>
+              <a:rPr lang="en-US" dirty="0" smtClean="0"/>
+              <a:t>)</a:t>
+            </a:r>
+            <a:r>
+              <a:rPr lang="ru-RU" dirty="0" smtClean="0"/>
+              <a:t> </a:t>
+            </a:r>
+            <a:r>
+              <a:rPr lang="ru-RU" dirty="0"/>
+              <a:t>- это поисковая система, которая не отслеживает пользователей и не сохраняет личную информацию</a:t>
+            </a:r>
+            <a:r>
+              <a:rPr lang="ru-RU" dirty="0" smtClean="0"/>
+              <a:t>.</a:t>
+            </a:r>
+            <a:endParaRPr lang="en-US" dirty="0" smtClean="0"/>
+          </a:p>
+          <a:p>
+            <a:endParaRPr lang="ru-RU" dirty="0"/>
+          </a:p>
+        </p:txBody>
+      </p:sp>
+      <p:pic>
+        <p:nvPicPr>
+          <p:cNvPr id="4" name="Рисунок 3"/>
+          <p:cNvPicPr>
+            <a:picLocks noChangeAspect="1"/>
+          </p:cNvPicPr>
+          <p:nvPr/>
+        </p:nvPicPr>
+        <p:blipFill>
+          <a:blip r:embed="rId3"/>
+          <a:stretch>
+            <a:fillRect/>
+          </a:stretch>
+        </p:blipFill>
+        <p:spPr>
+          <a:xfrm>
+            <a:off x="5695950" y="2740344"/>
+            <a:ext cx="5657850" cy="3436620"/>
+          </a:xfrm>
+          <a:prstGeom prst="rect">
+            <a:avLst/>
+          </a:prstGeom>
+        </p:spPr>
+      </p:pic>
+    </p:spTree>
+    <p:extLst>
+      <p:ext uri="{BB962C8B-B14F-4D97-AF65-F5344CB8AC3E}">
+        <p14:creationId xmlns:p14="http://schemas.microsoft.com/office/powerpoint/2010/main" val="1998378755"/>
+      </p:ext>
+    </p:extLst>
+  </p:cSld>
+  <p:clrMapOvr>
+    <a:masterClrMapping/>
+  </p:clrMapOvr>
+</p:sld>
+</file>
+
+<file path=ppt/slides/slide14.xml><?xml version="1.0" encoding="utf-8"?>
+<p:sld xmlns:a="http://schemas.openxmlformats.org/drawingml/2006/main" xmlns:r="http://schemas.openxmlformats.org/officeDocument/2006/relationships" xmlns:p="http://schemas.openxmlformats.org/presentationml/2006/main">
+  <p:cSld>
+    <p:spTree>
+      <p:nvGrpSpPr>
+        <p:cNvPr id="1" name=""/>
+        <p:cNvGrpSpPr/>
+        <p:nvPr/>
+      </p:nvGrpSpPr>
+      <p:grpSpPr>
+        <a:xfrm>
+          <a:off x="0" y="0"/>
+          <a:ext cx="0" cy="0"/>
+          <a:chOff x="0" y="0"/>
+          <a:chExt cx="0" cy="0"/>
+        </a:xfrm>
+      </p:grpSpPr>
+      <p:sp>
+        <p:nvSpPr>
+          <p:cNvPr id="2" name="Заголовок 1"/>
+          <p:cNvSpPr>
+            <a:spLocks noGrp="1"/>
+          </p:cNvSpPr>
+          <p:nvPr>
+            <p:ph type="title"/>
+          </p:nvPr>
+        </p:nvSpPr>
+        <p:spPr/>
+        <p:txBody>
+          <a:bodyPr/>
+          <a:lstStyle/>
+          <a:p>
+            <a:r>
+              <a:rPr lang="ru-RU" dirty="0" smtClean="0"/>
+              <a:t>Выводы</a:t>
+            </a:r>
+            <a:endParaRPr lang="ru-RU" dirty="0"/>
+          </a:p>
+        </p:txBody>
+      </p:sp>
+      <p:sp>
+        <p:nvSpPr>
+          <p:cNvPr id="3" name="Объект 2"/>
+          <p:cNvSpPr>
+            <a:spLocks noGrp="1"/>
+          </p:cNvSpPr>
+          <p:nvPr>
+            <p:ph idx="1"/>
+          </p:nvPr>
+        </p:nvSpPr>
+        <p:spPr/>
+        <p:txBody>
+          <a:bodyPr/>
+          <a:lstStyle/>
+          <a:p>
+            <a:r>
+              <a:rPr lang="ru-RU" dirty="0" smtClean="0"/>
+              <a:t>Информационно-поисковые системы играют ключевую роль в обеспечении доступа к информации.</a:t>
+            </a:r>
+          </a:p>
+          <a:p>
+            <a:r>
+              <a:rPr lang="ru-RU" dirty="0" smtClean="0"/>
+              <a:t>Её э</a:t>
+            </a:r>
+            <a:r>
+              <a:rPr lang="ru-RU" dirty="0" smtClean="0"/>
+              <a:t>ффективный поиск и фильтрация становятся всё более важными в условиях роста объёма данных.</a:t>
+            </a:r>
+          </a:p>
+          <a:p>
+            <a:r>
+              <a:rPr lang="ru-RU" dirty="0" smtClean="0"/>
+              <a:t>ИПС различаются по типам и классификации, такие как общие ИПС, специализированные ИПС и др.</a:t>
+            </a:r>
+            <a:endParaRPr lang="ru-RU" dirty="0"/>
+          </a:p>
+        </p:txBody>
+      </p:sp>
+    </p:spTree>
+    <p:extLst>
+      <p:ext uri="{BB962C8B-B14F-4D97-AF65-F5344CB8AC3E}">
+        <p14:creationId xmlns:p14="http://schemas.microsoft.com/office/powerpoint/2010/main" val="1244024218"/>
+      </p:ext>
+    </p:extLst>
+  </p:cSld>
+  <p:clrMapOvr>
+    <a:masterClrMapping/>
+  </p:clrMapOvr>
+</p:sld>
+</file>
+
+<file path=ppt/slides/slide15.xml><?xml version="1.0" encoding="utf-8"?>
+<p:sld xmlns:a="http://schemas.openxmlformats.org/drawingml/2006/main" xmlns:r="http://schemas.openxmlformats.org/officeDocument/2006/relationships" xmlns:p="http://schemas.openxmlformats.org/presentationml/2006/main">
+  <p:cSld>
+    <p:spTree>
+      <p:nvGrpSpPr>
+        <p:cNvPr id="1" name=""/>
+        <p:cNvGrpSpPr/>
+        <p:nvPr/>
+      </p:nvGrpSpPr>
+      <p:grpSpPr>
+        <a:xfrm>
+          <a:off x="0" y="0"/>
+          <a:ext cx="0" cy="0"/>
+          <a:chOff x="0" y="0"/>
+          <a:chExt cx="0" cy="0"/>
+        </a:xfrm>
+      </p:grpSpPr>
+      <p:sp>
+        <p:nvSpPr>
+          <p:cNvPr id="2" name="Заголовок 1"/>
+          <p:cNvSpPr>
+            <a:spLocks noGrp="1"/>
+          </p:cNvSpPr>
+          <p:nvPr>
+            <p:ph type="title"/>
+          </p:nvPr>
+        </p:nvSpPr>
+        <p:spPr/>
+        <p:txBody>
+          <a:bodyPr/>
+          <a:lstStyle/>
+          <a:p>
+            <a:r>
+              <a:rPr lang="ru-RU" dirty="0" smtClean="0"/>
               <a:t>Источники</a:t>
             </a:r>
             <a:endParaRPr lang="ru-RU" dirty="0"/>
@@ -3288,7 +3940,58 @@
           <a:bodyPr/>
           <a:lstStyle/>
           <a:p>
-            <a:endParaRPr lang="ru-RU"/>
+            <a:r>
+              <a:rPr lang="en-US" dirty="0">
+                <a:hlinkClick r:id="rId2"/>
+              </a:rPr>
+              <a:t>http://</a:t>
+            </a:r>
+            <a:r>
+              <a:rPr lang="en-US" dirty="0" smtClean="0">
+                <a:hlinkClick r:id="rId2"/>
+              </a:rPr>
+              <a:t>library.mephi.ru/icb2/glav5_new.html</a:t>
+            </a:r>
+            <a:endParaRPr lang="ru-RU" dirty="0" smtClean="0"/>
+          </a:p>
+          <a:p>
+            <a:r>
+              <a:rPr lang="en-US" dirty="0">
+                <a:hlinkClick r:id="rId3"/>
+              </a:rPr>
+              <a:t>https://</a:t>
+            </a:r>
+            <a:r>
+              <a:rPr lang="en-US" dirty="0" smtClean="0">
+                <a:hlinkClick r:id="rId3"/>
+              </a:rPr>
+              <a:t>zabai.ru/Load/Kolledj/Metodichki/10.pdf</a:t>
+            </a:r>
+            <a:endParaRPr lang="ru-RU" dirty="0" smtClean="0"/>
+          </a:p>
+          <a:p>
+            <a:r>
+              <a:rPr lang="en-US" dirty="0">
+                <a:hlinkClick r:id="rId4"/>
+              </a:rPr>
+              <a:t>http://www.mediagnosis.ru/Autorun/Page6/10_1_.</a:t>
+            </a:r>
+            <a:r>
+              <a:rPr lang="en-US" dirty="0" smtClean="0">
+                <a:hlinkClick r:id="rId4"/>
+              </a:rPr>
+              <a:t>htm</a:t>
+            </a:r>
+            <a:endParaRPr lang="en-US" dirty="0" smtClean="0"/>
+          </a:p>
+          <a:p>
+            <a:r>
+              <a:rPr lang="en-US" dirty="0">
+                <a:hlinkClick r:id="rId5"/>
+              </a:rPr>
+              <a:t>https://ru.wikipedia.org/</a:t>
+            </a:r>
+            <a:endParaRPr lang="ru-RU" dirty="0"/>
           </a:p>
         </p:txBody>
       </p:sp>
@@ -3360,7 +4063,53 @@
           <a:bodyPr/>
           <a:lstStyle/>
           <a:p>
-            <a:endParaRPr lang="ru-RU"/>
+            <a:r>
+              <a:rPr lang="ru-RU" dirty="0" smtClean="0"/>
+              <a:t>Актуальность</a:t>
+            </a:r>
+          </a:p>
+          <a:p>
+            <a:r>
+              <a:rPr lang="ru-RU" dirty="0" smtClean="0"/>
+              <a:t>Задачи</a:t>
+            </a:r>
+          </a:p>
+          <a:p>
+            <a:r>
+              <a:rPr lang="ru-RU" dirty="0" smtClean="0"/>
+              <a:t>Предмет исследования</a:t>
+            </a:r>
+          </a:p>
+          <a:p>
+            <a:r>
+              <a:rPr lang="ru-RU" dirty="0" smtClean="0"/>
+              <a:t>Общая информация</a:t>
+            </a:r>
+          </a:p>
+          <a:p>
+            <a:r>
+              <a:rPr lang="ru-RU" dirty="0" smtClean="0"/>
+              <a:t>Классификация</a:t>
+            </a:r>
+          </a:p>
+          <a:p>
+            <a:r>
+              <a:rPr lang="ru-RU" dirty="0" smtClean="0"/>
+              <a:t>Примеры</a:t>
+            </a:r>
+          </a:p>
+          <a:p>
+            <a:r>
+              <a:rPr lang="ru-RU" dirty="0" smtClean="0"/>
+              <a:t>Выводы</a:t>
+            </a:r>
+          </a:p>
+          <a:p>
+            <a:r>
+              <a:rPr lang="ru-RU" dirty="0" smtClean="0"/>
+              <a:t>Источники</a:t>
+            </a:r>
+            <a:endParaRPr lang="ru-RU" dirty="0"/>
           </a:p>
         </p:txBody>
       </p:sp>
@@ -3437,7 +4186,7 @@
               <a:t>Информация в интернете растёт, к примеру в 2018 году он составлял 33 </a:t>
             </a:r>
             <a:r>
-              <a:rPr lang="ru-RU" dirty="0" err="1" smtClean="0"/>
+              <a:rPr lang="ru-RU" dirty="0" smtClean="0"/>
               <a:t>зеттабайт</a:t>
             </a:r>
             <a:r>
@@ -3445,7 +4194,7 @@
               <a:t>, а в 2023 увеличился до 90 </a:t>
             </a:r>
             <a:r>
-              <a:rPr lang="ru-RU" dirty="0" err="1" smtClean="0"/>
+              <a:rPr lang="ru-RU" dirty="0" smtClean="0"/>
               <a:t>зеттабайт</a:t>
             </a:r>
             <a:r>
@@ -3532,6 +4281,28 @@
           <a:bodyPr/>
           <a:lstStyle/>
           <a:p>
+            <a:r>
+              <a:rPr lang="ru-RU" dirty="0" smtClean="0"/>
+              <a:t>Изучить основные концепции информационно-поисковых систем</a:t>
+            </a:r>
+          </a:p>
+          <a:p>
+            <a:r>
+              <a:rPr lang="ru-RU" dirty="0" smtClean="0"/>
+              <a:t>Рассмотреть их структуру и классификацию</a:t>
+            </a:r>
+          </a:p>
+          <a:p>
+            <a:r>
+              <a:rPr lang="ru-RU" dirty="0" smtClean="0"/>
+              <a:t>Подчеркнуть актуальность изучения ИПС</a:t>
+            </a:r>
+          </a:p>
+          <a:p>
+            <a:r>
+              <a:rPr lang="ru-RU" dirty="0" smtClean="0"/>
+              <a:t>Проиллюстрировать их роль в различных сферах</a:t>
+            </a:r>
             <a:endParaRPr lang="ru-RU" dirty="0"/>
           </a:p>
         </p:txBody>
@@ -3539,7 +4310,7 @@
     </p:spTree>
     <p:extLst>
       <p:ext uri="{BB962C8B-B14F-4D97-AF65-F5344CB8AC3E}">
-        <p14:creationId xmlns:p14="http://schemas.microsoft.com/office/powerpoint/2010/main" val="2082343776"/>
+        <p14:creationId xmlns:p14="http://schemas.microsoft.com/office/powerpoint/2010/main" val="1950136070"/>
       </p:ext>
     </p:extLst>
   </p:cSld>
@@ -3603,6 +4374,15 @@
         <p:txBody>
           <a:bodyPr/>
           <a:lstStyle/>
+          <a:p>
+            <a:r>
+              <a:rPr lang="ru-RU" dirty="0" smtClean="0"/>
+              <a:t>Предметом исследования являются поисковые веб-системы.</a:t>
+            </a:r>
+          </a:p>
+          <a:p>
+            <a:endParaRPr lang="ru-RU" dirty="0" smtClean="0"/>
+          </a:p>
           <a:p>
             <a:endParaRPr lang="ru-RU" dirty="0"/>
           </a:p>
@@ -3766,57 +4546,144 @@
         <p:spPr/>
         <p:txBody>
           <a:bodyPr>
-            <a:normAutofit fontScale="85000" lnSpcReduction="20000"/>
+            <a:noAutofit/>
           </a:bodyPr>
           <a:lstStyle/>
           <a:p>
             <a:r>
-              <a:rPr lang="ru-RU" dirty="0" smtClean="0"/>
-              <a:t>Каждая ИПС предназначена для решения определенного класса задач, для которых характерен свой набор объектов и их признаков. ИПС бывают двух типов:</a:t>
-            </a:r>
-          </a:p>
-          <a:p>
-            <a:endParaRPr lang="ru-RU" dirty="0" smtClean="0"/>
-          </a:p>
-          <a:p>
-            <a:r>
-              <a:rPr lang="ru-RU" dirty="0" smtClean="0"/>
-              <a:t>1. </a:t>
-            </a:r>
-            <a:r>
-              <a:rPr lang="ru-RU" dirty="0" err="1" smtClean="0"/>
-              <a:t>Документографические</a:t>
-            </a:r>
-            <a:r>
-              <a:rPr lang="ru-RU" dirty="0" smtClean="0"/>
-              <a:t>. В </a:t>
-            </a:r>
-            <a:r>
-              <a:rPr lang="ru-RU" dirty="0" err="1" smtClean="0"/>
+              <a:rPr lang="ru-RU" sz="2000" dirty="0"/>
+              <a:t>Информационно-поисковая система (ИПС) - это компьютерная среда для обработки, хранения, сортировки, фильтрации и поиска структурированной информации</a:t>
+            </a:r>
+            <a:r>
+              <a:rPr lang="ru-RU" sz="2000" dirty="0" smtClean="0"/>
+              <a:t>.</a:t>
+            </a:r>
+          </a:p>
+          <a:p>
+            <a:r>
+              <a:rPr lang="ru-RU" sz="2000" dirty="0" smtClean="0"/>
+              <a:t>ИПС </a:t>
+            </a:r>
+            <a:r>
+              <a:rPr lang="ru-RU" sz="2000" dirty="0"/>
+              <a:t>бывают двух типов: </a:t>
+            </a:r>
+            <a:r>
+              <a:rPr lang="ru-RU" sz="2000" dirty="0" err="1"/>
+              <a:t>документографические</a:t>
+            </a:r>
+            <a:r>
+              <a:rPr lang="ru-RU" sz="2000" dirty="0"/>
+              <a:t> и фактографические. </a:t>
+            </a:r>
+            <a:endParaRPr lang="ru-RU" sz="2000" dirty="0" smtClean="0"/>
+          </a:p>
+          <a:p>
+            <a:r>
+              <a:rPr lang="ru-RU" sz="2000" dirty="0" smtClean="0"/>
+              <a:t>В </a:t>
+            </a:r>
+            <a:r>
+              <a:rPr lang="ru-RU" sz="2000" dirty="0" err="1"/>
               <a:t>документографических</a:t>
             </a:r>
             <a:r>
-              <a:rPr lang="ru-RU" dirty="0" smtClean="0"/>
-              <a:t> ИПС все хранимые документы индексируются специальным образом, т. е. каждому документу присваивается индивидуальный код, составляющий поисковый образ. Поиск идет не по самим документам, а по их поисковым образам. Именно так ищут книги в больших библиотеках. Сначала отыскивают карточку в каталоге, а затем по номеру, указанному на ней, отыскивается и сама книга.</a:t>
-            </a:r>
-          </a:p>
-          <a:p>
-            <a:endParaRPr lang="ru-RU" dirty="0" smtClean="0"/>
-          </a:p>
-          <a:p>
-            <a:r>
-              <a:rPr lang="ru-RU" dirty="0" smtClean="0"/>
-              <a:t>2. Фактографические. В </a:t>
-            </a:r>
-            <a:r>
-              <a:rPr lang="ru-RU" dirty="0" err="1" smtClean="0"/>
-              <a:t>фактографичеких</a:t>
-            </a:r>
-            <a:r>
-              <a:rPr lang="ru-RU" dirty="0" smtClean="0"/>
-              <a:t> ИПС хранятся не документы, а факты, относящиеся к какой-либо предметной области. Поиск осуществляется по образцу факта. </a:t>
-            </a:r>
-            <a:endParaRPr lang="ru-RU" dirty="0"/>
+              <a:rPr lang="ru-RU" sz="2000" dirty="0"/>
+              <a:t> ИПС документы индексируются и поиск осуществляется по их поисковым образам. </a:t>
+            </a:r>
+            <a:endParaRPr lang="ru-RU" sz="2000" dirty="0" smtClean="0"/>
+          </a:p>
+          <a:p>
+            <a:r>
+              <a:rPr lang="ru-RU" sz="2000" dirty="0" smtClean="0"/>
+              <a:t>В </a:t>
+            </a:r>
+            <a:r>
+              <a:rPr lang="ru-RU" sz="2000" dirty="0"/>
+              <a:t>фактографических ИПС хранятся факты, и поиск осуществляется по образцу факта. </a:t>
+            </a:r>
+            <a:endParaRPr lang="ru-RU" sz="2000" dirty="0" smtClean="0"/>
+          </a:p>
+          <a:p>
+            <a:r>
+              <a:rPr lang="ru-RU" sz="2000" dirty="0" smtClean="0"/>
+              <a:t>Каждая </a:t>
+            </a:r>
+            <a:r>
+              <a:rPr lang="ru-RU" sz="2000" dirty="0"/>
+              <a:t>ИПС состоит из базы данных (БД) и системы управления базами данных (СУБД). </a:t>
+            </a:r>
+            <a:endParaRPr lang="ru-RU" sz="2000" dirty="0" smtClean="0"/>
+          </a:p>
+          <a:p>
+            <a:r>
+              <a:rPr lang="ru-RU" sz="2000" dirty="0" smtClean="0"/>
+              <a:t>База </a:t>
+            </a:r>
+            <a:r>
+              <a:rPr lang="ru-RU" sz="2000" dirty="0"/>
+              <a:t>данных - это совокупность структурированных данных, относящихся к определенной предметной области. </a:t>
+            </a:r>
+            <a:endParaRPr lang="ru-RU" sz="2000" dirty="0" smtClean="0"/>
+          </a:p>
+          <a:p>
+            <a:r>
+              <a:rPr lang="ru-RU" sz="2000" dirty="0" smtClean="0"/>
+              <a:t>Система </a:t>
+            </a:r>
+            <a:r>
+              <a:rPr lang="ru-RU" sz="2000" dirty="0"/>
+              <a:t>управления базами данных - это комплекс программных и языковых средств, необходимых для создания и поддержания баз данных, а также для организации поиска необходимой информации. Существует множество различных СУБД, таких как </a:t>
+            </a:r>
+            <a:r>
+              <a:rPr lang="ru-RU" sz="2000" dirty="0" err="1"/>
+              <a:t>Dbase</a:t>
+            </a:r>
+            <a:r>
+              <a:rPr lang="ru-RU" sz="2000" dirty="0"/>
+              <a:t>, </a:t>
+            </a:r>
+            <a:r>
+              <a:rPr lang="ru-RU" sz="2000" dirty="0" err="1"/>
+              <a:t>Clipper</a:t>
+            </a:r>
+            <a:r>
+              <a:rPr lang="ru-RU" sz="2000" dirty="0"/>
+              <a:t>, </a:t>
+            </a:r>
+            <a:r>
+              <a:rPr lang="ru-RU" sz="2000" dirty="0" err="1"/>
+              <a:t>FoxPro</a:t>
+            </a:r>
+            <a:r>
+              <a:rPr lang="ru-RU" sz="2000" dirty="0"/>
+              <a:t>, </a:t>
+            </a:r>
+            <a:r>
+              <a:rPr lang="ru-RU" sz="2000" dirty="0" err="1"/>
+              <a:t>Paradox</a:t>
+            </a:r>
+            <a:r>
+              <a:rPr lang="ru-RU" sz="2000" dirty="0"/>
+              <a:t>, </a:t>
+            </a:r>
+            <a:r>
+              <a:rPr lang="ru-RU" sz="2000" dirty="0" err="1"/>
+              <a:t>Microsoft</a:t>
+            </a:r>
+            <a:r>
+              <a:rPr lang="ru-RU" sz="2000" dirty="0"/>
+              <a:t> </a:t>
+            </a:r>
+            <a:r>
+              <a:rPr lang="ru-RU" sz="2000" dirty="0" err="1"/>
+              <a:t>Access</a:t>
+            </a:r>
+            <a:r>
+              <a:rPr lang="ru-RU" sz="2000" dirty="0"/>
+              <a:t>.</a:t>
+            </a:r>
+            <a:endParaRPr lang="ru-RU" sz="2000" dirty="0"/>
           </a:p>
         </p:txBody>
       </p:sp>
@@ -3896,88 +4763,99 @@
           <a:lstStyle/>
           <a:p>
             <a:r>
-              <a:rPr lang="ru-RU" dirty="0"/>
-              <a:t>Я</a:t>
-            </a:r>
-            <a:r>
-              <a:rPr lang="en-US" dirty="0" err="1"/>
-              <a:t>ndex</a:t>
-            </a:r>
-            <a:r>
               <a:rPr lang="en-US" dirty="0"/>
-              <a:t> (</a:t>
+              <a:t>Google (</a:t>
+            </a:r>
+            <a:r>
+              <a:rPr lang="en-US" dirty="0">
+                <a:hlinkClick r:id="rId2"/>
+              </a:rPr>
+              <a:t>https://</a:t>
             </a:r>
             <a:r>
               <a:rPr lang="en-US" dirty="0" smtClean="0">
                 <a:hlinkClick r:id="rId2"/>
               </a:rPr>
-              <a:t>https://</a:t>
-            </a:r>
-            <a:r>
-              <a:rPr lang="en-US" dirty="0">
-                <a:hlinkClick r:id="rId2"/>
-              </a:rPr>
-              <a:t>www.yandex.ru</a:t>
+              <a:t>www.google.com</a:t>
             </a:r>
             <a:r>
               <a:rPr lang="en-US" dirty="0" smtClean="0"/>
               <a:t>)</a:t>
             </a:r>
-            <a:endParaRPr lang="ru-RU" dirty="0" smtClean="0"/>
-          </a:p>
-          <a:p>
-            <a:r>
-              <a:rPr lang="en-US" dirty="0" smtClean="0"/>
-              <a:t>Google </a:t>
-            </a:r>
-            <a:r>
-              <a:rPr lang="en-US" dirty="0"/>
-              <a:t>(</a:t>
-            </a:r>
-            <a:r>
-              <a:rPr lang="en-US" dirty="0" smtClean="0">
-                <a:hlinkClick r:id="rId3"/>
-              </a:rPr>
-              <a:t>https://</a:t>
-            </a:r>
-            <a:r>
-              <a:rPr lang="en-US" dirty="0">
-                <a:hlinkClick r:id="rId3"/>
-              </a:rPr>
-              <a:t>www.google.com</a:t>
-            </a:r>
-            <a:r>
-              <a:rPr lang="en-US" dirty="0" smtClean="0"/>
-              <a:t>)</a:t>
-            </a:r>
-            <a:endParaRPr lang="ru-RU" dirty="0"/>
-          </a:p>
-          <a:p>
-            <a:r>
-              <a:rPr lang="en-US" smtClean="0"/>
-              <a:t>Baidu (http://www.baidu.com/)</a:t>
-            </a:r>
-            <a:endParaRPr lang="ru-RU" dirty="0"/>
-          </a:p>
-        </p:txBody>
-      </p:sp>
+          </a:p>
+          <a:p>
+            <a:r>
+              <a:rPr lang="ru-RU" dirty="0" smtClean="0"/>
+              <a:t>Google— </a:t>
+            </a:r>
+            <a:r>
+              <a:rPr lang="ru-RU" dirty="0"/>
+              <a:t>крупнейшая в мире поисковая система интернета, принадлежащая корпорации Google </a:t>
+            </a:r>
+            <a:r>
+              <a:rPr lang="ru-RU" dirty="0" smtClean="0"/>
+              <a:t>Inc</a:t>
+            </a:r>
+            <a:r>
+              <a:rPr lang="ru-RU" dirty="0" smtClean="0"/>
+              <a:t>. </a:t>
+            </a:r>
+            <a:r>
+              <a:rPr lang="ru-RU" dirty="0"/>
+              <a:t>Основана в 1998 году Ларри Пейджем и Сергеем </a:t>
+            </a:r>
+            <a:r>
+              <a:rPr lang="ru-RU" dirty="0"/>
+              <a:t>Брином</a:t>
+            </a:r>
+            <a:r>
+              <a:rPr lang="ru-RU" dirty="0"/>
+              <a:t>.</a:t>
+            </a:r>
+            <a:endParaRPr lang="en-US" dirty="0" smtClean="0"/>
+          </a:p>
+          <a:p>
+            <a:pPr marL="0" indent="0">
+              <a:buNone/>
+            </a:pPr>
+            <a:endParaRPr lang="ru-RU" dirty="0"/>
+          </a:p>
+        </p:txBody>
+      </p:sp>
+      <p:pic>
+        <p:nvPicPr>
+          <p:cNvPr id="4" name="Рисунок 3"/>
+          <p:cNvPicPr>
+            <a:picLocks noChangeAspect="1"/>
+          </p:cNvPicPr>
+          <p:nvPr/>
+        </p:nvPicPr>
+        <p:blipFill>
+          <a:blip r:embed="rId3"/>
+          <a:stretch>
+            <a:fillRect/>
+          </a:stretch>
+        </p:blipFill>
+        <p:spPr>
+          <a:xfrm>
+            <a:off x="6673686" y="3279531"/>
+            <a:ext cx="4680114" cy="2632564"/>
+          </a:xfrm>
+          <a:prstGeom prst="rect">
+            <a:avLst/>
+          </a:prstGeom>
+        </p:spPr>
+      </p:pic>
     </p:spTree>
     <p:extLst>
       <p:ext uri="{BB962C8B-B14F-4D97-AF65-F5344CB8AC3E}">
-        <p14:creationId xmlns:p14="http://schemas.microsoft.com/office/powerpoint/2010/main" val="3999555078"/>
+        <p14:creationId xmlns:p14="http://schemas.microsoft.com/office/powerpoint/2010/main" val="698992538"/>
       </p:ext>
     </p:extLst>
   </p:cSld>
   <p:clrMapOvr>
     <a:masterClrMapping/>
   </p:clrMapOvr>
-  <p:timing>
-    <p:tnLst>
-      <p:par>
-        <p:cTn id="1" dur="indefinite" restart="never" nodeType="tmRoot"/>
-      </p:par>
-    </p:tnLst>
-  </p:timing>
 </p:sld>
 </file>
 
@@ -4015,7 +4893,7 @@
           <a:p>
             <a:r>
               <a:rPr lang="ru-RU" dirty="0" smtClean="0"/>
-              <a:t>Выводы</a:t>
+              <a:t>Примеры</a:t>
             </a:r>
             <a:endParaRPr lang="ru-RU" dirty="0"/>
           </a:p>
@@ -4031,25 +4909,126 @@
             <p:ph idx="1"/>
           </p:nvPr>
         </p:nvSpPr>
-        <p:spPr/>
-        <p:txBody>
-          <a:bodyPr/>
-          <a:lstStyle/>
-          <a:p>
-            <a:endParaRPr lang="ru-RU"/>
-          </a:p>
-        </p:txBody>
-      </p:sp>
+        <p:spPr>
+          <a:xfrm>
+            <a:off x="838200" y="1688788"/>
+            <a:ext cx="10744200" cy="4597711"/>
+          </a:xfrm>
+        </p:spPr>
+        <p:txBody>
+          <a:bodyPr>
+            <a:normAutofit/>
+          </a:bodyPr>
+          <a:lstStyle/>
+          <a:p>
+            <a:r>
+              <a:rPr lang="ru-RU" dirty="0"/>
+              <a:t>Я</a:t>
+            </a:r>
+            <a:r>
+              <a:rPr lang="en-US" dirty="0"/>
+              <a:t>ndex</a:t>
+            </a:r>
+            <a:r>
+              <a:rPr lang="en-US" dirty="0"/>
+              <a:t> (</a:t>
+            </a:r>
+            <a:r>
+              <a:rPr lang="en-US" dirty="0" smtClean="0">
+                <a:hlinkClick r:id="rId2"/>
+              </a:rPr>
+              <a:t>https://</a:t>
+            </a:r>
+            <a:r>
+              <a:rPr lang="en-US" dirty="0">
+                <a:hlinkClick r:id="rId2"/>
+              </a:rPr>
+              <a:t>www.yandex.ru</a:t>
+            </a:r>
+            <a:r>
+              <a:rPr lang="en-US" dirty="0" smtClean="0"/>
+              <a:t>)</a:t>
+            </a:r>
+            <a:endParaRPr lang="ru-RU" dirty="0" smtClean="0"/>
+          </a:p>
+          <a:p>
+            <a:r>
+              <a:rPr lang="ru-RU" dirty="0"/>
+              <a:t>Яндекс Поиск - это поисковая система, разработанная компанией Яндекс. Она осуществляет поиск информации по всему интернету и предоставляет пользователю результаты в виде ссылок на </a:t>
+            </a:r>
+            <a:r>
+              <a:rPr lang="ru-RU" dirty="0"/>
+              <a:t>relevantные</a:t>
+            </a:r>
+            <a:r>
+              <a:rPr lang="ru-RU" dirty="0"/>
+              <a:t> веб-страницы.</a:t>
+            </a:r>
+            <a:endParaRPr lang="ru-RU" dirty="0" smtClean="0"/>
+          </a:p>
+          <a:p>
+            <a:endParaRPr lang="ru-RU" dirty="0" smtClean="0"/>
+          </a:p>
+        </p:txBody>
+      </p:sp>
+      <p:pic>
+        <p:nvPicPr>
+          <p:cNvPr id="1026" name="Picture 2" descr="Яндекс представил новый Поиск. Он скрывает фейковые отзывы, ищет внутри видео и рекомендует, что посмотреть"/>
+          <p:cNvPicPr>
+            <a:picLocks noChangeAspect="1" noChangeArrowheads="1"/>
+          </p:cNvPicPr>
+          <p:nvPr/>
+        </p:nvPicPr>
+        <p:blipFill>
+          <a:blip r:embed="rId3" cstate="print">
+            <a:extLst>
+              <a:ext uri="{28A0092B-C50C-407E-A947-70E740481C1C}">
+                <a14:useLocalDpi xmlns:a14="http://schemas.microsoft.com/office/drawing/2010/main" val="0"/>
+              </a:ext>
+            </a:extLst>
+          </a:blip>
+          <a:srcRect/>
+          <a:stretch>
+            <a:fillRect/>
+          </a:stretch>
+        </p:blipFill>
+        <p:spPr bwMode="auto">
+          <a:xfrm>
+            <a:off x="6743700" y="3371658"/>
+            <a:ext cx="4838700" cy="2914841"/>
+          </a:xfrm>
+          <a:prstGeom prst="rect">
+            <a:avLst/>
+          </a:prstGeom>
+          <a:noFill/>
+          <a:extLst>
+            <a:ext uri="{909E8E84-426E-40DD-AFC4-6F175D3DCCD1}">
+              <a14:hiddenFill xmlns:a14="http://schemas.microsoft.com/office/drawing/2010/main">
+                <a:solidFill>
+                  <a:srgbClr val="FFFFFF"/>
+                </a:solidFill>
+              </a14:hiddenFill>
+            </a:ext>
+          </a:extLst>
+        </p:spPr>
+      </p:pic>
     </p:spTree>
     <p:extLst>
       <p:ext uri="{BB962C8B-B14F-4D97-AF65-F5344CB8AC3E}">
-        <p14:creationId xmlns:p14="http://schemas.microsoft.com/office/powerpoint/2010/main" val="1244024218"/>
+        <p14:creationId xmlns:p14="http://schemas.microsoft.com/office/powerpoint/2010/main" val="3999555078"/>
       </p:ext>
     </p:extLst>
   </p:cSld>
   <p:clrMapOvr>
     <a:masterClrMapping/>
   </p:clrMapOvr>
+  <p:timing>
+    <p:tnLst>
+      <p:par>
+        <p:cTn id="1" dur="indefinite" restart="never" nodeType="tmRoot"/>
+      </p:par>
+    </p:tnLst>
+  </p:timing>
 </p:sld>
 </file>
 

--- a/pr_1.pptx
+++ b/pr_1.pptx
@@ -257,7 +257,7 @@
           <a:p>
             <a:fld id="{A4A8E0A2-B0E2-40A4-B6C9-3D1E6B7480B1}" type="datetimeFigureOut">
               <a:rPr lang="ru-RU" smtClean="0"/>
-              <a:t>25.10.2023</a:t>
+              <a:t>27.10.2023</a:t>
             </a:fld>
             <a:endParaRPr lang="ru-RU" dirty="0"/>
           </a:p>
@@ -427,7 +427,7 @@
           <a:p>
             <a:fld id="{A4A8E0A2-B0E2-40A4-B6C9-3D1E6B7480B1}" type="datetimeFigureOut">
               <a:rPr lang="ru-RU" smtClean="0"/>
-              <a:t>25.10.2023</a:t>
+              <a:t>27.10.2023</a:t>
             </a:fld>
             <a:endParaRPr lang="ru-RU" dirty="0"/>
           </a:p>
@@ -607,7 +607,7 @@
           <a:p>
             <a:fld id="{A4A8E0A2-B0E2-40A4-B6C9-3D1E6B7480B1}" type="datetimeFigureOut">
               <a:rPr lang="ru-RU" smtClean="0"/>
-              <a:t>25.10.2023</a:t>
+              <a:t>27.10.2023</a:t>
             </a:fld>
             <a:endParaRPr lang="ru-RU" dirty="0"/>
           </a:p>
@@ -777,7 +777,7 @@
           <a:p>
             <a:fld id="{A4A8E0A2-B0E2-40A4-B6C9-3D1E6B7480B1}" type="datetimeFigureOut">
               <a:rPr lang="ru-RU" smtClean="0"/>
-              <a:t>25.10.2023</a:t>
+              <a:t>27.10.2023</a:t>
             </a:fld>
             <a:endParaRPr lang="ru-RU" dirty="0"/>
           </a:p>
@@ -1023,7 +1023,7 @@
           <a:p>
             <a:fld id="{A4A8E0A2-B0E2-40A4-B6C9-3D1E6B7480B1}" type="datetimeFigureOut">
               <a:rPr lang="ru-RU" smtClean="0"/>
-              <a:t>25.10.2023</a:t>
+              <a:t>27.10.2023</a:t>
             </a:fld>
             <a:endParaRPr lang="ru-RU" dirty="0"/>
           </a:p>
@@ -1255,7 +1255,7 @@
           <a:p>
             <a:fld id="{A4A8E0A2-B0E2-40A4-B6C9-3D1E6B7480B1}" type="datetimeFigureOut">
               <a:rPr lang="ru-RU" smtClean="0"/>
-              <a:t>25.10.2023</a:t>
+              <a:t>27.10.2023</a:t>
             </a:fld>
             <a:endParaRPr lang="ru-RU" dirty="0"/>
           </a:p>
@@ -1622,7 +1622,7 @@
           <a:p>
             <a:fld id="{A4A8E0A2-B0E2-40A4-B6C9-3D1E6B7480B1}" type="datetimeFigureOut">
               <a:rPr lang="ru-RU" smtClean="0"/>
-              <a:t>25.10.2023</a:t>
+              <a:t>27.10.2023</a:t>
             </a:fld>
             <a:endParaRPr lang="ru-RU" dirty="0"/>
           </a:p>
@@ -1740,7 +1740,7 @@
           <a:p>
             <a:fld id="{A4A8E0A2-B0E2-40A4-B6C9-3D1E6B7480B1}" type="datetimeFigureOut">
               <a:rPr lang="ru-RU" smtClean="0"/>
-              <a:t>25.10.2023</a:t>
+              <a:t>27.10.2023</a:t>
             </a:fld>
             <a:endParaRPr lang="ru-RU" dirty="0"/>
           </a:p>
@@ -1835,7 +1835,7 @@
           <a:p>
             <a:fld id="{A4A8E0A2-B0E2-40A4-B6C9-3D1E6B7480B1}" type="datetimeFigureOut">
               <a:rPr lang="ru-RU" smtClean="0"/>
-              <a:t>25.10.2023</a:t>
+              <a:t>27.10.2023</a:t>
             </a:fld>
             <a:endParaRPr lang="ru-RU" dirty="0"/>
           </a:p>
@@ -2112,7 +2112,7 @@
           <a:p>
             <a:fld id="{A4A8E0A2-B0E2-40A4-B6C9-3D1E6B7480B1}" type="datetimeFigureOut">
               <a:rPr lang="ru-RU" smtClean="0"/>
-              <a:t>25.10.2023</a:t>
+              <a:t>27.10.2023</a:t>
             </a:fld>
             <a:endParaRPr lang="ru-RU" dirty="0"/>
           </a:p>
@@ -2365,7 +2365,7 @@
           <a:p>
             <a:fld id="{A4A8E0A2-B0E2-40A4-B6C9-3D1E6B7480B1}" type="datetimeFigureOut">
               <a:rPr lang="ru-RU" smtClean="0"/>
-              <a:t>25.10.2023</a:t>
+              <a:t>27.10.2023</a:t>
             </a:fld>
             <a:endParaRPr lang="ru-RU" dirty="0"/>
           </a:p>
@@ -2578,7 +2578,7 @@
           <a:p>
             <a:fld id="{A4A8E0A2-B0E2-40A4-B6C9-3D1E6B7480B1}" type="datetimeFigureOut">
               <a:rPr lang="ru-RU" smtClean="0"/>
-              <a:t>25.10.2023</a:t>
+              <a:t>27.10.2023</a:t>
             </a:fld>
             <a:endParaRPr lang="ru-RU" dirty="0"/>
           </a:p>
@@ -3216,10 +3216,9 @@
           </a:lstStyle>
           <a:p>
             <a:r>
-              <a:rPr lang="ru-RU" dirty="0" smtClean="0"/>
-              <a:t>Московский Автомобильно-Дорожный колледж им. А. А. Николаева</a:t>
-            </a:r>
-            <a:endParaRPr lang="ru-RU" dirty="0"/>
+              <a:rPr lang="ru-RU" dirty="0"/>
+              <a:t>Государственное бюджетное профессиональное образовательное учреждение города Москвы «Московский автомобильно-дорожный колледж им. А.А. Николаева»</a:t>
+            </a:r>
           </a:p>
         </p:txBody>
       </p:sp>
@@ -3322,27 +3321,7 @@
           <a:p>
             <a:r>
               <a:rPr lang="ru-RU" dirty="0"/>
-              <a:t>Bing</a:t>
-            </a:r>
-            <a:r>
-              <a:rPr lang="ru-RU" dirty="0"/>
-              <a:t> - поисковая система от </a:t>
-            </a:r>
-            <a:r>
-              <a:rPr lang="ru-RU" dirty="0"/>
-              <a:t>Microsoft</a:t>
-            </a:r>
-            <a:r>
-              <a:rPr lang="ru-RU" dirty="0"/>
-              <a:t>, представленная Стивом </a:t>
-            </a:r>
-            <a:r>
-              <a:rPr lang="ru-RU" dirty="0"/>
-              <a:t>Балмером</a:t>
-            </a:r>
-            <a:r>
-              <a:rPr lang="ru-RU" dirty="0"/>
-              <a:t>.</a:t>
+              <a:t>Bing - поисковая система от Microsoft, представленная Стивом Балмером.</a:t>
             </a:r>
             <a:endParaRPr lang="en-US" dirty="0" smtClean="0"/>
           </a:p>
@@ -3445,11 +3424,7 @@
           <a:p>
             <a:r>
               <a:rPr lang="ru-RU" dirty="0"/>
-              <a:t>Baidu</a:t>
-            </a:r>
-            <a:r>
-              <a:rPr lang="ru-RU" dirty="0"/>
-              <a:t> </a:t>
+              <a:t>Baidu </a:t>
             </a:r>
             <a:r>
               <a:rPr lang="en-US" dirty="0"/>
@@ -3856,11 +3831,7 @@
           <a:p>
             <a:r>
               <a:rPr lang="ru-RU" dirty="0" smtClean="0"/>
-              <a:t>Её э</a:t>
-            </a:r>
-            <a:r>
-              <a:rPr lang="ru-RU" dirty="0" smtClean="0"/>
-              <a:t>ффективный поиск и фильтрация становятся всё более важными в условиях роста объёма данных.</a:t>
+              <a:t>Её эффективный поиск и фильтрация становятся всё более важными в условиях роста объёма данных.</a:t>
             </a:r>
           </a:p>
           <a:p>
@@ -3935,63 +3906,275 @@
             <p:ph idx="1"/>
           </p:nvPr>
         </p:nvSpPr>
-        <p:spPr/>
-        <p:txBody>
-          <a:bodyPr/>
-          <a:lstStyle/>
-          <a:p>
-            <a:r>
-              <a:rPr lang="en-US" dirty="0">
+        <p:spPr>
+          <a:xfrm>
+            <a:off x="838200" y="1690688"/>
+            <a:ext cx="10515600" cy="4654306"/>
+          </a:xfrm>
+        </p:spPr>
+        <p:txBody>
+          <a:bodyPr>
+            <a:noAutofit/>
+          </a:bodyPr>
+          <a:lstStyle/>
+          <a:p>
+            <a:r>
+              <a:rPr lang="ru-RU" sz="2150" dirty="0"/>
+              <a:t>Центр информационно-библиотечного </a:t>
+            </a:r>
+            <a:r>
+              <a:rPr lang="ru-RU" sz="2150" dirty="0" smtClean="0"/>
+              <a:t>обеспечения учебно-научной </a:t>
+            </a:r>
+            <a:r>
+              <a:rPr lang="ru-RU" sz="2150" dirty="0"/>
+              <a:t>деятельности НИЯУ </a:t>
+            </a:r>
+            <a:r>
+              <a:rPr lang="ru-RU" sz="2150" dirty="0" smtClean="0"/>
+              <a:t>МИФИ Электронно-библиотечная система </a:t>
+            </a:r>
+            <a:r>
+              <a:rPr lang="en-US" sz="2150" dirty="0" smtClean="0"/>
+              <a:t>URL: </a:t>
+            </a:r>
+            <a:r>
+              <a:rPr lang="en-US" sz="2150" dirty="0" smtClean="0">
                 <a:hlinkClick r:id="rId2"/>
               </a:rPr>
-              <a:t>http://</a:t>
-            </a:r>
-            <a:r>
-              <a:rPr lang="en-US" dirty="0" smtClean="0">
+              <a:t>http</a:t>
+            </a:r>
+            <a:r>
+              <a:rPr lang="en-US" sz="2150" dirty="0">
+                <a:hlinkClick r:id="rId2"/>
+              </a:rPr>
+              <a:t>://</a:t>
+            </a:r>
+            <a:r>
+              <a:rPr lang="en-US" sz="2150" dirty="0" smtClean="0">
                 <a:hlinkClick r:id="rId2"/>
               </a:rPr>
               <a:t>library.mephi.ru/icb2/glav5_new.html</a:t>
             </a:r>
-            <a:endParaRPr lang="ru-RU" dirty="0" smtClean="0"/>
-          </a:p>
-          <a:p>
-            <a:r>
-              <a:rPr lang="en-US" dirty="0">
+            <a:r>
+              <a:rPr lang="en-US" sz="2150" dirty="0" smtClean="0"/>
+              <a:t> (</a:t>
+            </a:r>
+            <a:r>
+              <a:rPr lang="ru-RU" sz="2150" dirty="0" smtClean="0"/>
+              <a:t>Дата обращения 27.10.2023</a:t>
+            </a:r>
+            <a:r>
+              <a:rPr lang="en-US" sz="2150" dirty="0" smtClean="0"/>
+              <a:t>)</a:t>
+            </a:r>
+            <a:endParaRPr lang="ru-RU" sz="2150" dirty="0" smtClean="0"/>
+          </a:p>
+          <a:p>
+            <a:r>
+              <a:rPr lang="ru-RU" sz="2150" dirty="0"/>
+              <a:t>Забайкальский аграрный </a:t>
+            </a:r>
+            <a:r>
+              <a:rPr lang="ru-RU" sz="2150" dirty="0" smtClean="0"/>
+              <a:t>институт филиал </a:t>
+            </a:r>
+            <a:r>
+              <a:rPr lang="ru-RU" sz="2150" dirty="0"/>
+              <a:t>ФГБОУ ВО «Иркутский государственный </a:t>
+            </a:r>
+            <a:r>
+              <a:rPr lang="ru-RU" sz="2150" dirty="0" smtClean="0"/>
+              <a:t>аграрный </a:t>
+            </a:r>
+            <a:r>
+              <a:rPr lang="ru-RU" sz="2150" dirty="0"/>
+              <a:t>университет имени </a:t>
+            </a:r>
+            <a:r>
+              <a:rPr lang="ru-RU" sz="2150" dirty="0" err="1"/>
+              <a:t>А.А.Ежевского</a:t>
+            </a:r>
+            <a:r>
+              <a:rPr lang="ru-RU" sz="2150" dirty="0" smtClean="0"/>
+              <a:t>» методическое пособие для преподавателей </a:t>
+            </a:r>
+            <a:r>
+              <a:rPr lang="en-US" sz="2150" dirty="0" smtClean="0"/>
+              <a:t>URL: </a:t>
+            </a:r>
+            <a:r>
+              <a:rPr lang="en-US" sz="2150" dirty="0" smtClean="0">
                 <a:hlinkClick r:id="rId3"/>
               </a:rPr>
-              <a:t>https://</a:t>
-            </a:r>
-            <a:r>
-              <a:rPr lang="en-US" dirty="0" smtClean="0">
+              <a:t>https</a:t>
+            </a:r>
+            <a:r>
+              <a:rPr lang="en-US" sz="2150" dirty="0">
+                <a:hlinkClick r:id="rId3"/>
+              </a:rPr>
+              <a:t>://</a:t>
+            </a:r>
+            <a:r>
+              <a:rPr lang="en-US" sz="2150" dirty="0" smtClean="0">
                 <a:hlinkClick r:id="rId3"/>
               </a:rPr>
               <a:t>zabai.ru/Load/Kolledj/Metodichki/10.pdf</a:t>
             </a:r>
-            <a:endParaRPr lang="ru-RU" dirty="0" smtClean="0"/>
-          </a:p>
-          <a:p>
-            <a:r>
-              <a:rPr lang="en-US" dirty="0">
+            <a:r>
+              <a:rPr lang="en-US" sz="2150" dirty="0"/>
+              <a:t> (</a:t>
+            </a:r>
+            <a:r>
+              <a:rPr lang="ru-RU" sz="2150" dirty="0"/>
+              <a:t>Дата обращения 27.10.2023</a:t>
+            </a:r>
+            <a:r>
+              <a:rPr lang="en-US" sz="2150" dirty="0" smtClean="0"/>
+              <a:t>)</a:t>
+            </a:r>
+          </a:p>
+          <a:p>
+            <a:r>
+              <a:rPr lang="ru-RU" sz="2150" dirty="0" err="1"/>
+              <a:t>Каптерев</a:t>
+            </a:r>
+            <a:r>
+              <a:rPr lang="ru-RU" sz="2150" dirty="0"/>
+              <a:t> А.И. Электронный учебник по </a:t>
+            </a:r>
+            <a:r>
+              <a:rPr lang="ru-RU" sz="2150" dirty="0" smtClean="0"/>
+              <a:t>информатике</a:t>
+            </a:r>
+            <a:r>
+              <a:rPr lang="en-US" sz="2150" dirty="0"/>
+              <a:t> </a:t>
+            </a:r>
+            <a:r>
+              <a:rPr lang="en-US" sz="2150" dirty="0" smtClean="0"/>
+              <a:t>URL: </a:t>
+            </a:r>
+            <a:r>
+              <a:rPr lang="en-US" sz="2150" dirty="0" smtClean="0">
                 <a:hlinkClick r:id="rId4"/>
               </a:rPr>
-              <a:t>http://www.mediagnosis.ru/Autorun/Page6/10_1_.</a:t>
-            </a:r>
-            <a:r>
-              <a:rPr lang="en-US" dirty="0" smtClean="0">
+              <a:t>http</a:t>
+            </a:r>
+            <a:r>
+              <a:rPr lang="en-US" sz="2150" dirty="0">
+                <a:hlinkClick r:id="rId4"/>
+              </a:rPr>
+              <a:t>://www.mediagnosis.ru/Autorun/Page6/10_1_.</a:t>
+            </a:r>
+            <a:r>
+              <a:rPr lang="en-US" sz="2150" dirty="0" smtClean="0">
                 <a:hlinkClick r:id="rId4"/>
               </a:rPr>
               <a:t>htm</a:t>
             </a:r>
-            <a:endParaRPr lang="en-US" dirty="0" smtClean="0"/>
-          </a:p>
-          <a:p>
-            <a:r>
-              <a:rPr lang="en-US" dirty="0">
+            <a:r>
+              <a:rPr lang="en-US" sz="2150" dirty="0"/>
+              <a:t> (</a:t>
+            </a:r>
+            <a:r>
+              <a:rPr lang="ru-RU" sz="2150" dirty="0"/>
+              <a:t>Дата обращения 27.10.2023</a:t>
+            </a:r>
+            <a:r>
+              <a:rPr lang="en-US" sz="2150" dirty="0"/>
+              <a:t>)</a:t>
+            </a:r>
+          </a:p>
+          <a:p>
+            <a:r>
+              <a:rPr lang="ru-RU" sz="2150" dirty="0" smtClean="0"/>
+              <a:t>Википедия – интернет энциклопедия </a:t>
+            </a:r>
+            <a:r>
+              <a:rPr lang="en-US" sz="2150" dirty="0" smtClean="0"/>
+              <a:t>URL: </a:t>
+            </a:r>
+            <a:r>
+              <a:rPr lang="en-US" sz="2150" dirty="0" smtClean="0">
                 <a:hlinkClick r:id="rId5"/>
               </a:rPr>
-              <a:t>https://ru.wikipedia.org/</a:t>
-            </a:r>
-            <a:endParaRPr lang="ru-RU" dirty="0"/>
+              <a:t>https</a:t>
+            </a:r>
+            <a:r>
+              <a:rPr lang="en-US" sz="2150" dirty="0">
+                <a:hlinkClick r:id="rId5"/>
+              </a:rPr>
+              <a:t>://ru.wikipedia.org</a:t>
+            </a:r>
+            <a:r>
+              <a:rPr lang="en-US" sz="2150" dirty="0" smtClean="0">
+                <a:hlinkClick r:id="rId5"/>
+              </a:rPr>
+              <a:t>/</a:t>
+            </a:r>
+            <a:r>
+              <a:rPr lang="en-US" sz="2150" dirty="0"/>
+              <a:t> (</a:t>
+            </a:r>
+            <a:r>
+              <a:rPr lang="ru-RU" sz="2150" dirty="0"/>
+              <a:t>Дата обращения 27.10.2023</a:t>
+            </a:r>
+            <a:r>
+              <a:rPr lang="en-US" sz="2150" dirty="0" smtClean="0"/>
+              <a:t>)</a:t>
+            </a:r>
+            <a:endParaRPr lang="ru-RU" sz="2150" dirty="0" smtClean="0"/>
+          </a:p>
+          <a:p>
+            <a:r>
+              <a:rPr lang="ru-RU" sz="2150" dirty="0"/>
+              <a:t>Автоматизированные информационно-поисковые системы и основы информационного </a:t>
+            </a:r>
+            <a:r>
+              <a:rPr lang="ru-RU" sz="2150" dirty="0" smtClean="0"/>
+              <a:t>поиска </a:t>
+            </a:r>
+            <a:r>
+              <a:rPr lang="en-US" sz="2150" dirty="0" smtClean="0"/>
+              <a:t>URL: </a:t>
+            </a:r>
+            <a:r>
+              <a:rPr lang="en-US" sz="2150" dirty="0" smtClean="0">
+                <a:hlinkClick r:id="rId6"/>
+              </a:rPr>
+              <a:t>https</a:t>
+            </a:r>
+            <a:r>
+              <a:rPr lang="en-US" sz="2150" dirty="0">
+                <a:hlinkClick r:id="rId6"/>
+              </a:rPr>
+              <a:t>://</a:t>
+            </a:r>
+            <a:r>
+              <a:rPr lang="en-US" sz="2150" dirty="0" smtClean="0">
+                <a:hlinkClick r:id="rId6"/>
+              </a:rPr>
+              <a:t>tstu.ru/book/elib3/mm/2017/maistrenko/t2.html</a:t>
+            </a:r>
+            <a:r>
+              <a:rPr lang="en-US" sz="2150" dirty="0" smtClean="0"/>
+              <a:t> </a:t>
+            </a:r>
+            <a:r>
+              <a:rPr lang="en-US" sz="2150" dirty="0"/>
+              <a:t>(</a:t>
+            </a:r>
+            <a:r>
+              <a:rPr lang="ru-RU" sz="2150" dirty="0"/>
+              <a:t>Дата обращения 27.10.2023</a:t>
+            </a:r>
+            <a:r>
+              <a:rPr lang="en-US" sz="2150" dirty="0" smtClean="0"/>
+              <a:t>)</a:t>
+            </a:r>
+            <a:endParaRPr lang="en-US" sz="2150" dirty="0"/>
           </a:p>
         </p:txBody>
       </p:sp>
@@ -4183,23 +4366,7 @@
           <a:p>
             <a:r>
               <a:rPr lang="ru-RU" dirty="0" smtClean="0"/>
-              <a:t>Информация в интернете растёт, к примеру в 2018 году он составлял 33 </a:t>
-            </a:r>
-            <a:r>
-              <a:rPr lang="ru-RU" dirty="0" smtClean="0"/>
-              <a:t>зеттабайт</a:t>
-            </a:r>
-            <a:r>
-              <a:rPr lang="ru-RU" dirty="0" smtClean="0"/>
-              <a:t>, а в 2023 увеличился до 90 </a:t>
-            </a:r>
-            <a:r>
-              <a:rPr lang="ru-RU" dirty="0" smtClean="0"/>
-              <a:t>зеттабайт</a:t>
-            </a:r>
-            <a:r>
-              <a:rPr lang="ru-RU" dirty="0" smtClean="0"/>
-              <a:t>.</a:t>
+              <a:t>Информация в интернете растёт, к примеру в 2018 году он составлял 33 зеттабайт, а в 2023 увеличился до 90 зеттабайт.</a:t>
             </a:r>
           </a:p>
           <a:p>
@@ -4683,7 +4850,6 @@
               <a:rPr lang="ru-RU" sz="2000" dirty="0"/>
               <a:t>.</a:t>
             </a:r>
-            <a:endParaRPr lang="ru-RU" sz="2000" dirty="0"/>
           </a:p>
         </p:txBody>
       </p:sp>
@@ -4794,23 +4960,11 @@
             </a:r>
             <a:r>
               <a:rPr lang="ru-RU" dirty="0" smtClean="0"/>
-              <a:t>Inc</a:t>
-            </a:r>
-            <a:r>
-              <a:rPr lang="ru-RU" dirty="0" smtClean="0"/>
-              <a:t>. </a:t>
+              <a:t>Inc. </a:t>
             </a:r>
             <a:r>
               <a:rPr lang="ru-RU" dirty="0"/>
-              <a:t>Основана в 1998 году Ларри Пейджем и Сергеем </a:t>
-            </a:r>
-            <a:r>
-              <a:rPr lang="ru-RU" dirty="0"/>
-              <a:t>Брином</a:t>
-            </a:r>
-            <a:r>
-              <a:rPr lang="ru-RU" dirty="0"/>
-              <a:t>.</a:t>
+              <a:t>Основана в 1998 году Ларри Пейджем и Сергеем Брином.</a:t>
             </a:r>
             <a:endParaRPr lang="en-US" dirty="0" smtClean="0"/>
           </a:p>
@@ -4927,11 +5081,7 @@
             </a:r>
             <a:r>
               <a:rPr lang="en-US" dirty="0"/>
-              <a:t>ndex</a:t>
-            </a:r>
-            <a:r>
-              <a:rPr lang="en-US" dirty="0"/>
-              <a:t> (</a:t>
+              <a:t>ndex (</a:t>
             </a:r>
             <a:r>
               <a:rPr lang="en-US" dirty="0" smtClean="0">
@@ -4954,15 +5104,7 @@
           <a:p>
             <a:r>
               <a:rPr lang="ru-RU" dirty="0"/>
-              <a:t>Яндекс Поиск - это поисковая система, разработанная компанией Яндекс. Она осуществляет поиск информации по всему интернету и предоставляет пользователю результаты в виде ссылок на </a:t>
-            </a:r>
-            <a:r>
-              <a:rPr lang="ru-RU" dirty="0"/>
-              <a:t>relevantные</a:t>
-            </a:r>
-            <a:r>
-              <a:rPr lang="ru-RU" dirty="0"/>
-              <a:t> веб-страницы.</a:t>
+              <a:t>Яндекс Поиск - это поисковая система, разработанная компанией Яндекс. Она осуществляет поиск информации по всему интернету и предоставляет пользователю результаты в виде ссылок на relevantные веб-страницы.</a:t>
             </a:r>
             <a:endParaRPr lang="ru-RU" dirty="0" smtClean="0"/>
           </a:p>
